--- a/Capstone -2 Police Fatality.pptx
+++ b/Capstone -2 Police Fatality.pptx
@@ -10,11 +10,14 @@
     <p:sldId id="258" r:id="rId4"/>
     <p:sldId id="259" r:id="rId5"/>
     <p:sldId id="261" r:id="rId6"/>
-    <p:sldId id="266" r:id="rId7"/>
-    <p:sldId id="262" r:id="rId8"/>
-    <p:sldId id="265" r:id="rId9"/>
-    <p:sldId id="264" r:id="rId10"/>
-    <p:sldId id="260" r:id="rId11"/>
+    <p:sldId id="267" r:id="rId7"/>
+    <p:sldId id="266" r:id="rId8"/>
+    <p:sldId id="262" r:id="rId9"/>
+    <p:sldId id="265" r:id="rId10"/>
+    <p:sldId id="268" r:id="rId11"/>
+    <p:sldId id="269" r:id="rId12"/>
+    <p:sldId id="270" r:id="rId13"/>
+    <p:sldId id="260" r:id="rId14"/>
   </p:sldIdLst>
   <p:sldSz cx="12192000" cy="6858000"/>
   <p:notesSz cx="6858000" cy="9144000"/>
@@ -268,7 +271,7 @@
           <a:p>
             <a:fld id="{B415F21D-9A82-4795-8D5F-64AB1F2BAA18}" type="datetimeFigureOut">
               <a:rPr lang="en-US" smtClean="0"/>
-              <a:t>10/9/2021</a:t>
+              <a:t>10/21/2021</a:t>
             </a:fld>
             <a:endParaRPr lang="en-US"/>
           </a:p>
@@ -466,7 +469,7 @@
           <a:p>
             <a:fld id="{B415F21D-9A82-4795-8D5F-64AB1F2BAA18}" type="datetimeFigureOut">
               <a:rPr lang="en-US" smtClean="0"/>
-              <a:t>10/9/2021</a:t>
+              <a:t>10/21/2021</a:t>
             </a:fld>
             <a:endParaRPr lang="en-US"/>
           </a:p>
@@ -674,7 +677,7 @@
           <a:p>
             <a:fld id="{B415F21D-9A82-4795-8D5F-64AB1F2BAA18}" type="datetimeFigureOut">
               <a:rPr lang="en-US" smtClean="0"/>
-              <a:t>10/9/2021</a:t>
+              <a:t>10/21/2021</a:t>
             </a:fld>
             <a:endParaRPr lang="en-US"/>
           </a:p>
@@ -872,7 +875,7 @@
           <a:p>
             <a:fld id="{B415F21D-9A82-4795-8D5F-64AB1F2BAA18}" type="datetimeFigureOut">
               <a:rPr lang="en-US" smtClean="0"/>
-              <a:t>10/9/2021</a:t>
+              <a:t>10/21/2021</a:t>
             </a:fld>
             <a:endParaRPr lang="en-US"/>
           </a:p>
@@ -1147,7 +1150,7 @@
           <a:p>
             <a:fld id="{B415F21D-9A82-4795-8D5F-64AB1F2BAA18}" type="datetimeFigureOut">
               <a:rPr lang="en-US" smtClean="0"/>
-              <a:t>10/9/2021</a:t>
+              <a:t>10/21/2021</a:t>
             </a:fld>
             <a:endParaRPr lang="en-US"/>
           </a:p>
@@ -1412,7 +1415,7 @@
           <a:p>
             <a:fld id="{B415F21D-9A82-4795-8D5F-64AB1F2BAA18}" type="datetimeFigureOut">
               <a:rPr lang="en-US" smtClean="0"/>
-              <a:t>10/9/2021</a:t>
+              <a:t>10/21/2021</a:t>
             </a:fld>
             <a:endParaRPr lang="en-US"/>
           </a:p>
@@ -1824,7 +1827,7 @@
           <a:p>
             <a:fld id="{B415F21D-9A82-4795-8D5F-64AB1F2BAA18}" type="datetimeFigureOut">
               <a:rPr lang="en-US" smtClean="0"/>
-              <a:t>10/9/2021</a:t>
+              <a:t>10/21/2021</a:t>
             </a:fld>
             <a:endParaRPr lang="en-US"/>
           </a:p>
@@ -1965,7 +1968,7 @@
           <a:p>
             <a:fld id="{B415F21D-9A82-4795-8D5F-64AB1F2BAA18}" type="datetimeFigureOut">
               <a:rPr lang="en-US" smtClean="0"/>
-              <a:t>10/9/2021</a:t>
+              <a:t>10/21/2021</a:t>
             </a:fld>
             <a:endParaRPr lang="en-US"/>
           </a:p>
@@ -2078,7 +2081,7 @@
           <a:p>
             <a:fld id="{B415F21D-9A82-4795-8D5F-64AB1F2BAA18}" type="datetimeFigureOut">
               <a:rPr lang="en-US" smtClean="0"/>
-              <a:t>10/9/2021</a:t>
+              <a:t>10/21/2021</a:t>
             </a:fld>
             <a:endParaRPr lang="en-US"/>
           </a:p>
@@ -2389,7 +2392,7 @@
           <a:p>
             <a:fld id="{B415F21D-9A82-4795-8D5F-64AB1F2BAA18}" type="datetimeFigureOut">
               <a:rPr lang="en-US" smtClean="0"/>
-              <a:t>10/9/2021</a:t>
+              <a:t>10/21/2021</a:t>
             </a:fld>
             <a:endParaRPr lang="en-US"/>
           </a:p>
@@ -2677,7 +2680,7 @@
           <a:p>
             <a:fld id="{B415F21D-9A82-4795-8D5F-64AB1F2BAA18}" type="datetimeFigureOut">
               <a:rPr lang="en-US" smtClean="0"/>
-              <a:t>10/9/2021</a:t>
+              <a:t>10/21/2021</a:t>
             </a:fld>
             <a:endParaRPr lang="en-US"/>
           </a:p>
@@ -2918,7 +2921,7 @@
           <a:p>
             <a:fld id="{B415F21D-9A82-4795-8D5F-64AB1F2BAA18}" type="datetimeFigureOut">
               <a:rPr lang="en-US" smtClean="0"/>
-              <a:t>10/9/2021</a:t>
+              <a:t>10/21/2021</a:t>
             </a:fld>
             <a:endParaRPr lang="en-US"/>
           </a:p>
@@ -3429,6 +3432,478 @@
           <p:cNvPr id="2" name="Title 1">
             <a:extLst>
               <a:ext uri="{FF2B5EF4-FFF2-40B4-BE49-F238E27FC236}">
+                <a16:creationId xmlns:a16="http://schemas.microsoft.com/office/drawing/2014/main" id="{FA461C88-D448-4B48-8901-84F1A9EF3695}"/>
+              </a:ext>
+            </a:extLst>
+          </p:cNvPr>
+          <p:cNvSpPr>
+            <a:spLocks noGrp="1"/>
+          </p:cNvSpPr>
+          <p:nvPr>
+            <p:ph type="title"/>
+          </p:nvPr>
+        </p:nvSpPr>
+        <p:spPr>
+          <a:xfrm>
+            <a:off x="838200" y="365125"/>
+            <a:ext cx="10515600" cy="576571"/>
+          </a:xfrm>
+        </p:spPr>
+        <p:txBody>
+          <a:bodyPr>
+            <a:normAutofit fontScale="90000"/>
+          </a:bodyPr>
+          <a:lstStyle/>
+          <a:p>
+            <a:pPr algn="ctr"/>
+            <a:r>
+              <a:rPr lang="en-US" sz="3600" dirty="0"/>
+              <a:t>Balanced / Final Result / Under Sampling</a:t>
+            </a:r>
+          </a:p>
+        </p:txBody>
+      </p:sp>
+      <p:sp>
+        <p:nvSpPr>
+          <p:cNvPr id="3" name="Content Placeholder 2">
+            <a:extLst>
+              <a:ext uri="{FF2B5EF4-FFF2-40B4-BE49-F238E27FC236}">
+                <a16:creationId xmlns:a16="http://schemas.microsoft.com/office/drawing/2014/main" id="{1782FFBB-6A2A-408A-9478-27CF7F3571EC}"/>
+              </a:ext>
+            </a:extLst>
+          </p:cNvPr>
+          <p:cNvSpPr>
+            <a:spLocks noGrp="1"/>
+          </p:cNvSpPr>
+          <p:nvPr>
+            <p:ph idx="1"/>
+          </p:nvPr>
+        </p:nvSpPr>
+        <p:spPr>
+          <a:xfrm>
+            <a:off x="838200" y="846161"/>
+            <a:ext cx="10515600" cy="5330802"/>
+          </a:xfrm>
+        </p:spPr>
+        <p:txBody>
+          <a:bodyPr>
+            <a:normAutofit/>
+          </a:bodyPr>
+          <a:lstStyle/>
+          <a:p>
+            <a:pPr marL="0" indent="0">
+              <a:buNone/>
+            </a:pPr>
+            <a:r>
+              <a:rPr lang="en-US" sz="1800" dirty="0"/>
+              <a:t> * Random Forrest Accuracy: 74.0</a:t>
+            </a:r>
+          </a:p>
+          <a:p>
+            <a:r>
+              <a:rPr lang="en-US" sz="1800" dirty="0"/>
+              <a:t>Mean </a:t>
+            </a:r>
+            <a:r>
+              <a:rPr lang="en-US" sz="1800" dirty="0" err="1"/>
+              <a:t>Absoulte</a:t>
+            </a:r>
+            <a:r>
+              <a:rPr lang="en-US" sz="1800" dirty="0"/>
+              <a:t> Error: 26.0</a:t>
+            </a:r>
+          </a:p>
+          <a:p>
+            <a:r>
+              <a:rPr lang="en-US" sz="1800" dirty="0"/>
+              <a:t>Classification Report:</a:t>
+            </a:r>
+          </a:p>
+          <a:p>
+            <a:r>
+              <a:rPr lang="en-US" sz="1800" dirty="0"/>
+              <a:t>precision    recall  f1-score   support</a:t>
+            </a:r>
+          </a:p>
+          <a:p>
+            <a:r>
+              <a:rPr lang="en-US" sz="1800" dirty="0"/>
+              <a:t>           0       0.70      0.76      0.73        75</a:t>
+            </a:r>
+          </a:p>
+          <a:p>
+            <a:r>
+              <a:rPr lang="en-US" sz="1800" dirty="0"/>
+              <a:t>           1       0.77      0.71      0.74        84</a:t>
+            </a:r>
+          </a:p>
+          <a:p>
+            <a:r>
+              <a:rPr lang="en-US" sz="1800" dirty="0"/>
+              <a:t> accuracy                           0.74       159</a:t>
+            </a:r>
+          </a:p>
+          <a:p>
+            <a:r>
+              <a:rPr lang="en-US" sz="1800" dirty="0"/>
+              <a:t>   macro avg       0.74      0.74      0.74       159</a:t>
+            </a:r>
+          </a:p>
+          <a:p>
+            <a:r>
+              <a:rPr lang="en-US" sz="1800" dirty="0"/>
+              <a:t>weighted avg       0.74      0.74      0.74       159</a:t>
+            </a:r>
+          </a:p>
+          <a:p>
+            <a:r>
+              <a:rPr lang="en-US" sz="1800" dirty="0"/>
+              <a:t>Confusion Matrix:</a:t>
+            </a:r>
+          </a:p>
+          <a:p>
+            <a:r>
+              <a:rPr lang="en-US" sz="1800" dirty="0"/>
+              <a:t>         predicted    </a:t>
+            </a:r>
+          </a:p>
+          <a:p>
+            <a:r>
+              <a:rPr lang="en-US" sz="1800" dirty="0"/>
+              <a:t>                 0   1</a:t>
+            </a:r>
+          </a:p>
+          <a:p>
+            <a:r>
+              <a:rPr lang="en-US" sz="1800" dirty="0"/>
+              <a:t>actual 0        57  18</a:t>
+            </a:r>
+          </a:p>
+          <a:p>
+            <a:r>
+              <a:rPr lang="en-US" sz="1800" dirty="0"/>
+              <a:t>            1        24  60</a:t>
+            </a:r>
+          </a:p>
+        </p:txBody>
+      </p:sp>
+    </p:spTree>
+    <p:extLst>
+      <p:ext uri="{BB962C8B-B14F-4D97-AF65-F5344CB8AC3E}">
+        <p14:creationId xmlns:p14="http://schemas.microsoft.com/office/powerpoint/2010/main" val="4155945370"/>
+      </p:ext>
+    </p:extLst>
+  </p:cSld>
+  <p:clrMapOvr>
+    <a:masterClrMapping/>
+  </p:clrMapOvr>
+</p:sld>
+</file>
+
+<file path=ppt/slides/slide11.xml><?xml version="1.0" encoding="utf-8"?>
+<p:sld xmlns:a="http://schemas.openxmlformats.org/drawingml/2006/main" xmlns:r="http://schemas.openxmlformats.org/officeDocument/2006/relationships" xmlns:p="http://schemas.openxmlformats.org/presentationml/2006/main">
+  <p:cSld>
+    <p:spTree>
+      <p:nvGrpSpPr>
+        <p:cNvPr id="1" name=""/>
+        <p:cNvGrpSpPr/>
+        <p:nvPr/>
+      </p:nvGrpSpPr>
+      <p:grpSpPr>
+        <a:xfrm>
+          <a:off x="0" y="0"/>
+          <a:ext cx="0" cy="0"/>
+          <a:chOff x="0" y="0"/>
+          <a:chExt cx="0" cy="0"/>
+        </a:xfrm>
+      </p:grpSpPr>
+      <p:sp>
+        <p:nvSpPr>
+          <p:cNvPr id="2" name="Title 1">
+            <a:extLst>
+              <a:ext uri="{FF2B5EF4-FFF2-40B4-BE49-F238E27FC236}">
+                <a16:creationId xmlns:a16="http://schemas.microsoft.com/office/drawing/2014/main" id="{AAB3AE3D-22B8-44BC-B46E-1F36EF52A503}"/>
+              </a:ext>
+            </a:extLst>
+          </p:cNvPr>
+          <p:cNvSpPr>
+            <a:spLocks noGrp="1"/>
+          </p:cNvSpPr>
+          <p:nvPr>
+            <p:ph type="title"/>
+          </p:nvPr>
+        </p:nvSpPr>
+        <p:spPr>
+          <a:xfrm>
+            <a:off x="838200" y="365126"/>
+            <a:ext cx="10515600" cy="315912"/>
+          </a:xfrm>
+        </p:spPr>
+        <p:txBody>
+          <a:bodyPr>
+            <a:normAutofit fontScale="90000"/>
+          </a:bodyPr>
+          <a:lstStyle/>
+          <a:p>
+            <a:pPr algn="ctr"/>
+            <a:r>
+              <a:rPr lang="en-US" sz="3600" dirty="0"/>
+              <a:t>Balanced / Final Result / Over Sampling</a:t>
+            </a:r>
+          </a:p>
+        </p:txBody>
+      </p:sp>
+      <p:sp>
+        <p:nvSpPr>
+          <p:cNvPr id="3" name="Content Placeholder 2">
+            <a:extLst>
+              <a:ext uri="{FF2B5EF4-FFF2-40B4-BE49-F238E27FC236}">
+                <a16:creationId xmlns:a16="http://schemas.microsoft.com/office/drawing/2014/main" id="{240B26AD-0ACC-44AC-9DA5-9A3BE620911B}"/>
+              </a:ext>
+            </a:extLst>
+          </p:cNvPr>
+          <p:cNvSpPr>
+            <a:spLocks noGrp="1"/>
+          </p:cNvSpPr>
+          <p:nvPr>
+            <p:ph idx="1"/>
+          </p:nvPr>
+        </p:nvSpPr>
+        <p:spPr>
+          <a:xfrm>
+            <a:off x="838200" y="873457"/>
+            <a:ext cx="10515600" cy="5303506"/>
+          </a:xfrm>
+        </p:spPr>
+        <p:txBody>
+          <a:bodyPr>
+            <a:normAutofit fontScale="92500" lnSpcReduction="10000"/>
+          </a:bodyPr>
+          <a:lstStyle/>
+          <a:p>
+            <a:r>
+              <a:rPr lang="en-US" sz="2000" dirty="0"/>
+              <a:t>Random Forrest Accuracy: 94.0</a:t>
+            </a:r>
+          </a:p>
+          <a:p>
+            <a:r>
+              <a:rPr lang="en-US" sz="2000" dirty="0"/>
+              <a:t>Mean </a:t>
+            </a:r>
+            <a:r>
+              <a:rPr lang="en-US" sz="2000" dirty="0" err="1"/>
+              <a:t>Absoulte</a:t>
+            </a:r>
+            <a:r>
+              <a:rPr lang="en-US" sz="2000" dirty="0"/>
+              <a:t> Error: 6.0</a:t>
+            </a:r>
+          </a:p>
+          <a:p>
+            <a:r>
+              <a:rPr lang="en-US" sz="2000" dirty="0"/>
+              <a:t>Classification Report:</a:t>
+            </a:r>
+          </a:p>
+          <a:p>
+            <a:r>
+              <a:rPr lang="en-US" sz="2000" dirty="0"/>
+              <a:t>precision    recall  f1-score   support</a:t>
+            </a:r>
+          </a:p>
+          <a:p>
+            <a:r>
+              <a:rPr lang="en-US" sz="2000" dirty="0"/>
+              <a:t>           0       1.00      0.88      0.94      1928</a:t>
+            </a:r>
+          </a:p>
+          <a:p>
+            <a:r>
+              <a:rPr lang="en-US" sz="2000" dirty="0"/>
+              <a:t>           1       0.90      1.00      0.94      1966</a:t>
+            </a:r>
+          </a:p>
+          <a:p>
+            <a:r>
+              <a:rPr lang="en-US" sz="2000" dirty="0"/>
+              <a:t> accuracy                           0.94      3894</a:t>
+            </a:r>
+          </a:p>
+          <a:p>
+            <a:r>
+              <a:rPr lang="en-US" sz="2000" dirty="0"/>
+              <a:t>   macro avg       0.95      0.94      0.94      3894</a:t>
+            </a:r>
+          </a:p>
+          <a:p>
+            <a:r>
+              <a:rPr lang="en-US" sz="2000" dirty="0"/>
+              <a:t>weighted avg       0.95      0.94      0.94      3894</a:t>
+            </a:r>
+          </a:p>
+          <a:p>
+            <a:r>
+              <a:rPr lang="en-US" sz="2000" dirty="0"/>
+              <a:t>Confusion Matrix:</a:t>
+            </a:r>
+          </a:p>
+          <a:p>
+            <a:r>
+              <a:rPr lang="en-US" sz="2000" dirty="0"/>
+              <a:t>         predicted      </a:t>
+            </a:r>
+          </a:p>
+          <a:p>
+            <a:r>
+              <a:rPr lang="en-US" sz="2000" dirty="0"/>
+              <a:t>                 0     1</a:t>
+            </a:r>
+          </a:p>
+          <a:p>
+            <a:r>
+              <a:rPr lang="en-US" sz="2000" dirty="0"/>
+              <a:t>actual 0      1700   228</a:t>
+            </a:r>
+          </a:p>
+          <a:p>
+            <a:r>
+              <a:rPr lang="en-US" sz="2000" dirty="0"/>
+              <a:t>            1         8      1958</a:t>
+            </a:r>
+          </a:p>
+        </p:txBody>
+      </p:sp>
+    </p:spTree>
+    <p:extLst>
+      <p:ext uri="{BB962C8B-B14F-4D97-AF65-F5344CB8AC3E}">
+        <p14:creationId xmlns:p14="http://schemas.microsoft.com/office/powerpoint/2010/main" val="265287462"/>
+      </p:ext>
+    </p:extLst>
+  </p:cSld>
+  <p:clrMapOvr>
+    <a:masterClrMapping/>
+  </p:clrMapOvr>
+</p:sld>
+</file>
+
+<file path=ppt/slides/slide12.xml><?xml version="1.0" encoding="utf-8"?>
+<p:sld xmlns:a="http://schemas.openxmlformats.org/drawingml/2006/main" xmlns:r="http://schemas.openxmlformats.org/officeDocument/2006/relationships" xmlns:p="http://schemas.openxmlformats.org/presentationml/2006/main">
+  <p:cSld>
+    <p:spTree>
+      <p:nvGrpSpPr>
+        <p:cNvPr id="1" name=""/>
+        <p:cNvGrpSpPr/>
+        <p:nvPr/>
+      </p:nvGrpSpPr>
+      <p:grpSpPr>
+        <a:xfrm>
+          <a:off x="0" y="0"/>
+          <a:ext cx="0" cy="0"/>
+          <a:chOff x="0" y="0"/>
+          <a:chExt cx="0" cy="0"/>
+        </a:xfrm>
+      </p:grpSpPr>
+      <p:sp>
+        <p:nvSpPr>
+          <p:cNvPr id="2" name="Title 1">
+            <a:extLst>
+              <a:ext uri="{FF2B5EF4-FFF2-40B4-BE49-F238E27FC236}">
+                <a16:creationId xmlns:a16="http://schemas.microsoft.com/office/drawing/2014/main" id="{50A90F44-83E9-4C18-8EE4-64BC653F34CD}"/>
+              </a:ext>
+            </a:extLst>
+          </p:cNvPr>
+          <p:cNvSpPr>
+            <a:spLocks noGrp="1"/>
+          </p:cNvSpPr>
+          <p:nvPr>
+            <p:ph type="title"/>
+          </p:nvPr>
+        </p:nvSpPr>
+        <p:spPr>
+          <a:xfrm>
+            <a:off x="313899" y="365125"/>
+            <a:ext cx="11573301" cy="999651"/>
+          </a:xfrm>
+        </p:spPr>
+        <p:txBody>
+          <a:bodyPr/>
+          <a:lstStyle/>
+          <a:p>
+            <a:r>
+              <a:rPr lang="en-US" dirty="0"/>
+              <a:t>Fatality by Police | AUROC curve | Flee prediction</a:t>
+            </a:r>
+          </a:p>
+        </p:txBody>
+      </p:sp>
+      <p:pic>
+        <p:nvPicPr>
+          <p:cNvPr id="4" name="Content Placeholder 3">
+            <a:extLst>
+              <a:ext uri="{FF2B5EF4-FFF2-40B4-BE49-F238E27FC236}">
+                <a16:creationId xmlns:a16="http://schemas.microsoft.com/office/drawing/2014/main" id="{5F176C2E-D9F7-4173-974B-CA7687F9A554}"/>
+              </a:ext>
+            </a:extLst>
+          </p:cNvPr>
+          <p:cNvPicPr>
+            <a:picLocks noGrp="1" noChangeAspect="1"/>
+          </p:cNvPicPr>
+          <p:nvPr>
+            <p:ph idx="1"/>
+          </p:nvPr>
+        </p:nvPicPr>
+        <p:blipFill>
+          <a:blip r:embed="rId2"/>
+          <a:stretch>
+            <a:fillRect/>
+          </a:stretch>
+        </p:blipFill>
+        <p:spPr>
+          <a:xfrm>
+            <a:off x="3633002" y="2230252"/>
+            <a:ext cx="4925995" cy="3542083"/>
+          </a:xfrm>
+          <a:prstGeom prst="rect">
+            <a:avLst/>
+          </a:prstGeom>
+        </p:spPr>
+      </p:pic>
+    </p:spTree>
+    <p:extLst>
+      <p:ext uri="{BB962C8B-B14F-4D97-AF65-F5344CB8AC3E}">
+        <p14:creationId xmlns:p14="http://schemas.microsoft.com/office/powerpoint/2010/main" val="1947257878"/>
+      </p:ext>
+    </p:extLst>
+  </p:cSld>
+  <p:clrMapOvr>
+    <a:masterClrMapping/>
+  </p:clrMapOvr>
+</p:sld>
+</file>
+
+<file path=ppt/slides/slide13.xml><?xml version="1.0" encoding="utf-8"?>
+<p:sld xmlns:a="http://schemas.openxmlformats.org/drawingml/2006/main" xmlns:r="http://schemas.openxmlformats.org/officeDocument/2006/relationships" xmlns:p="http://schemas.openxmlformats.org/presentationml/2006/main">
+  <p:cSld>
+    <p:spTree>
+      <p:nvGrpSpPr>
+        <p:cNvPr id="1" name=""/>
+        <p:cNvGrpSpPr/>
+        <p:nvPr/>
+      </p:nvGrpSpPr>
+      <p:grpSpPr>
+        <a:xfrm>
+          <a:off x="0" y="0"/>
+          <a:ext cx="0" cy="0"/>
+          <a:chOff x="0" y="0"/>
+          <a:chExt cx="0" cy="0"/>
+        </a:xfrm>
+      </p:grpSpPr>
+      <p:sp>
+        <p:nvSpPr>
+          <p:cNvPr id="2" name="Title 1">
+            <a:extLst>
+              <a:ext uri="{FF2B5EF4-FFF2-40B4-BE49-F238E27FC236}">
                 <a16:creationId xmlns:a16="http://schemas.microsoft.com/office/drawing/2014/main" id="{EE39161F-1D4E-4C37-81AF-07123A121661}"/>
               </a:ext>
             </a:extLst>
@@ -4083,6 +4558,193 @@
           <p:cNvPr id="2" name="Title 1">
             <a:extLst>
               <a:ext uri="{FF2B5EF4-FFF2-40B4-BE49-F238E27FC236}">
+                <a16:creationId xmlns:a16="http://schemas.microsoft.com/office/drawing/2014/main" id="{3453AAB5-6BB2-44F4-AE75-ADAC297C0390}"/>
+              </a:ext>
+            </a:extLst>
+          </p:cNvPr>
+          <p:cNvSpPr>
+            <a:spLocks noGrp="1"/>
+          </p:cNvSpPr>
+          <p:nvPr>
+            <p:ph type="title"/>
+          </p:nvPr>
+        </p:nvSpPr>
+        <p:spPr>
+          <a:xfrm>
+            <a:off x="838200" y="365126"/>
+            <a:ext cx="10515600" cy="685752"/>
+          </a:xfrm>
+        </p:spPr>
+        <p:txBody>
+          <a:bodyPr>
+            <a:normAutofit/>
+          </a:bodyPr>
+          <a:lstStyle/>
+          <a:p>
+            <a:pPr algn="ctr"/>
+            <a:r>
+              <a:rPr lang="en-US" sz="3600" dirty="0"/>
+              <a:t>Imbalanced / Initial result</a:t>
+            </a:r>
+          </a:p>
+        </p:txBody>
+      </p:sp>
+      <p:sp>
+        <p:nvSpPr>
+          <p:cNvPr id="9" name="Content Placeholder 8">
+            <a:extLst>
+              <a:ext uri="{FF2B5EF4-FFF2-40B4-BE49-F238E27FC236}">
+                <a16:creationId xmlns:a16="http://schemas.microsoft.com/office/drawing/2014/main" id="{09D34B84-B254-4985-B3CD-4023A73293BA}"/>
+              </a:ext>
+            </a:extLst>
+          </p:cNvPr>
+          <p:cNvSpPr>
+            <a:spLocks noGrp="1"/>
+          </p:cNvSpPr>
+          <p:nvPr>
+            <p:ph idx="1"/>
+          </p:nvPr>
+        </p:nvSpPr>
+        <p:spPr>
+          <a:xfrm>
+            <a:off x="838200" y="1050878"/>
+            <a:ext cx="10515600" cy="5126085"/>
+          </a:xfrm>
+        </p:spPr>
+        <p:txBody>
+          <a:bodyPr>
+            <a:normAutofit lnSpcReduction="10000"/>
+          </a:bodyPr>
+          <a:lstStyle/>
+          <a:p>
+            <a:r>
+              <a:rPr lang="en-US" sz="1800" dirty="0"/>
+              <a:t>Random Forrest Accuracy: 96.0</a:t>
+            </a:r>
+          </a:p>
+          <a:p>
+            <a:r>
+              <a:rPr lang="en-US" sz="1800" dirty="0"/>
+              <a:t>Mean </a:t>
+            </a:r>
+            <a:r>
+              <a:rPr lang="en-US" sz="1800" dirty="0" err="1"/>
+              <a:t>Absoulte</a:t>
+            </a:r>
+            <a:r>
+              <a:rPr lang="en-US" sz="1800" dirty="0"/>
+              <a:t> Error: 4.0</a:t>
+            </a:r>
+          </a:p>
+          <a:p>
+            <a:r>
+              <a:rPr lang="en-US" sz="1800" dirty="0"/>
+              <a:t>Classification Report:</a:t>
+            </a:r>
+          </a:p>
+          <a:p>
+            <a:r>
+              <a:rPr lang="en-US" sz="1800" dirty="0"/>
+              <a:t> precision    recall  f1-score   support</a:t>
+            </a:r>
+          </a:p>
+          <a:p>
+            <a:r>
+              <a:rPr lang="en-US" sz="1800" dirty="0"/>
+              <a:t> 0       0.96      1.00      0.98      1937</a:t>
+            </a:r>
+          </a:p>
+          <a:p>
+            <a:r>
+              <a:rPr lang="en-US" sz="1800" dirty="0"/>
+              <a:t> 1       0.62      0.06      0.10        90</a:t>
+            </a:r>
+          </a:p>
+          <a:p>
+            <a:r>
+              <a:rPr lang="en-US" sz="1800" dirty="0"/>
+              <a:t> accuracy                           0.96      2027</a:t>
+            </a:r>
+          </a:p>
+          <a:p>
+            <a:r>
+              <a:rPr lang="en-US" sz="1800" dirty="0"/>
+              <a:t>   macro avg       0.79      0.53      0.54      2027</a:t>
+            </a:r>
+          </a:p>
+          <a:p>
+            <a:r>
+              <a:rPr lang="en-US" sz="1800" dirty="0"/>
+              <a:t>weighted avg       0.94      0.96      0.94      2027</a:t>
+            </a:r>
+          </a:p>
+          <a:p>
+            <a:r>
+              <a:rPr lang="en-US" sz="1800" dirty="0"/>
+              <a:t>Confusion Matrix:</a:t>
+            </a:r>
+          </a:p>
+          <a:p>
+            <a:r>
+              <a:rPr lang="en-US" sz="1800" dirty="0"/>
+              <a:t>         predicted   </a:t>
+            </a:r>
+          </a:p>
+          <a:p>
+            <a:r>
+              <a:rPr lang="en-US" sz="1800" dirty="0"/>
+              <a:t>                 0  1</a:t>
+            </a:r>
+          </a:p>
+          <a:p>
+            <a:r>
+              <a:rPr lang="en-US" sz="1800" dirty="0"/>
+              <a:t>actual 0      1934  3</a:t>
+            </a:r>
+          </a:p>
+          <a:p>
+            <a:r>
+              <a:rPr lang="en-US" sz="1800" dirty="0"/>
+              <a:t>              1        85  5</a:t>
+            </a:r>
+          </a:p>
+        </p:txBody>
+      </p:sp>
+    </p:spTree>
+    <p:extLst>
+      <p:ext uri="{BB962C8B-B14F-4D97-AF65-F5344CB8AC3E}">
+        <p14:creationId xmlns:p14="http://schemas.microsoft.com/office/powerpoint/2010/main" val="1513187804"/>
+      </p:ext>
+    </p:extLst>
+  </p:cSld>
+  <p:clrMapOvr>
+    <a:masterClrMapping/>
+  </p:clrMapOvr>
+</p:sld>
+</file>
+
+<file path=ppt/slides/slide7.xml><?xml version="1.0" encoding="utf-8"?>
+<p:sld xmlns:a="http://schemas.openxmlformats.org/drawingml/2006/main" xmlns:r="http://schemas.openxmlformats.org/officeDocument/2006/relationships" xmlns:p="http://schemas.openxmlformats.org/presentationml/2006/main">
+  <p:cSld>
+    <p:spTree>
+      <p:nvGrpSpPr>
+        <p:cNvPr id="1" name=""/>
+        <p:cNvGrpSpPr/>
+        <p:nvPr/>
+      </p:nvGrpSpPr>
+      <p:grpSpPr>
+        <a:xfrm>
+          <a:off x="0" y="0"/>
+          <a:ext cx="0" cy="0"/>
+          <a:chOff x="0" y="0"/>
+          <a:chExt cx="0" cy="0"/>
+        </a:xfrm>
+      </p:grpSpPr>
+      <p:sp>
+        <p:nvSpPr>
+          <p:cNvPr id="2" name="Title 1">
+            <a:extLst>
+              <a:ext uri="{FF2B5EF4-FFF2-40B4-BE49-F238E27FC236}">
                 <a16:creationId xmlns:a16="http://schemas.microsoft.com/office/drawing/2014/main" id="{3EC2D5F9-652A-4C02-8026-EF9BA15B10F8}"/>
               </a:ext>
             </a:extLst>
@@ -4168,7 +4830,7 @@
 </p:sld>
 </file>
 
-<file path=ppt/slides/slide7.xml><?xml version="1.0" encoding="utf-8"?>
+<file path=ppt/slides/slide8.xml><?xml version="1.0" encoding="utf-8"?>
 <p:sld xmlns:a="http://schemas.openxmlformats.org/drawingml/2006/main" xmlns:r="http://schemas.openxmlformats.org/officeDocument/2006/relationships" xmlns:p="http://schemas.openxmlformats.org/presentationml/2006/main">
   <p:cSld>
     <p:spTree>
@@ -4304,7 +4966,7 @@
 </p:sld>
 </file>
 
-<file path=ppt/slides/slide8.xml><?xml version="1.0" encoding="utf-8"?>
+<file path=ppt/slides/slide9.xml><?xml version="1.0" encoding="utf-8"?>
 <p:sld xmlns:a="http://schemas.openxmlformats.org/drawingml/2006/main" xmlns:r="http://schemas.openxmlformats.org/officeDocument/2006/relationships" xmlns:p="http://schemas.openxmlformats.org/presentationml/2006/main">
   <p:cSld>
     <p:spTree>
@@ -4459,118 +5121,6 @@
     <p:extLst>
       <p:ext uri="{BB962C8B-B14F-4D97-AF65-F5344CB8AC3E}">
         <p14:creationId xmlns:p14="http://schemas.microsoft.com/office/powerpoint/2010/main" val="3123300502"/>
-      </p:ext>
-    </p:extLst>
-  </p:cSld>
-  <p:clrMapOvr>
-    <a:masterClrMapping/>
-  </p:clrMapOvr>
-</p:sld>
-</file>
-
-<file path=ppt/slides/slide9.xml><?xml version="1.0" encoding="utf-8"?>
-<p:sld xmlns:a="http://schemas.openxmlformats.org/drawingml/2006/main" xmlns:r="http://schemas.openxmlformats.org/officeDocument/2006/relationships" xmlns:p="http://schemas.openxmlformats.org/presentationml/2006/main">
-  <p:cSld>
-    <p:spTree>
-      <p:nvGrpSpPr>
-        <p:cNvPr id="1" name=""/>
-        <p:cNvGrpSpPr/>
-        <p:nvPr/>
-      </p:nvGrpSpPr>
-      <p:grpSpPr>
-        <a:xfrm>
-          <a:off x="0" y="0"/>
-          <a:ext cx="0" cy="0"/>
-          <a:chOff x="0" y="0"/>
-          <a:chExt cx="0" cy="0"/>
-        </a:xfrm>
-      </p:grpSpPr>
-      <p:sp>
-        <p:nvSpPr>
-          <p:cNvPr id="2" name="Title 1">
-            <a:extLst>
-              <a:ext uri="{FF2B5EF4-FFF2-40B4-BE49-F238E27FC236}">
-                <a16:creationId xmlns:a16="http://schemas.microsoft.com/office/drawing/2014/main" id="{96C592C4-0ADB-4299-A8BC-D8DAD909B193}"/>
-              </a:ext>
-            </a:extLst>
-          </p:cNvPr>
-          <p:cNvSpPr>
-            <a:spLocks noGrp="1"/>
-          </p:cNvSpPr>
-          <p:nvPr>
-            <p:ph type="title"/>
-          </p:nvPr>
-        </p:nvSpPr>
-        <p:spPr>
-          <a:xfrm>
-            <a:off x="344557" y="365125"/>
-            <a:ext cx="11502886" cy="1325563"/>
-          </a:xfrm>
-        </p:spPr>
-        <p:txBody>
-          <a:bodyPr/>
-          <a:lstStyle/>
-          <a:p>
-            <a:r>
-              <a:rPr lang="en-US" dirty="0"/>
-              <a:t>Fatality by Police | AUROC curve | Flee prediction</a:t>
-            </a:r>
-          </a:p>
-        </p:txBody>
-      </p:sp>
-      <p:pic>
-        <p:nvPicPr>
-          <p:cNvPr id="5122" name="Picture 2">
-            <a:extLst>
-              <a:ext uri="{FF2B5EF4-FFF2-40B4-BE49-F238E27FC236}">
-                <a16:creationId xmlns:a16="http://schemas.microsoft.com/office/drawing/2014/main" id="{1E1C6FB8-6725-4052-A3DC-4675431F31FD}"/>
-              </a:ext>
-            </a:extLst>
-          </p:cNvPr>
-          <p:cNvPicPr>
-            <a:picLocks noGrp="1" noChangeAspect="1" noChangeArrowheads="1"/>
-          </p:cNvPicPr>
-          <p:nvPr>
-            <p:ph idx="1"/>
-          </p:nvPr>
-        </p:nvPicPr>
-        <p:blipFill>
-          <a:blip r:embed="rId2">
-            <a:extLst>
-              <a:ext uri="{28A0092B-C50C-407E-A947-70E740481C1C}">
-                <a14:useLocalDpi xmlns:a14="http://schemas.microsoft.com/office/drawing/2010/main" val="0"/>
-              </a:ext>
-            </a:extLst>
-          </a:blip>
-          <a:srcRect/>
-          <a:stretch>
-            <a:fillRect/>
-          </a:stretch>
-        </p:blipFill>
-        <p:spPr bwMode="auto">
-          <a:xfrm>
-            <a:off x="3632508" y="2229865"/>
-            <a:ext cx="4926984" cy="3542857"/>
-          </a:xfrm>
-          <a:prstGeom prst="rect">
-            <a:avLst/>
-          </a:prstGeom>
-          <a:noFill/>
-          <a:extLst>
-            <a:ext uri="{909E8E84-426E-40DD-AFC4-6F175D3DCCD1}">
-              <a14:hiddenFill xmlns:a14="http://schemas.microsoft.com/office/drawing/2010/main">
-                <a:solidFill>
-                  <a:srgbClr val="FFFFFF"/>
-                </a:solidFill>
-              </a14:hiddenFill>
-            </a:ext>
-          </a:extLst>
-        </p:spPr>
-      </p:pic>
-    </p:spTree>
-    <p:extLst>
-      <p:ext uri="{BB962C8B-B14F-4D97-AF65-F5344CB8AC3E}">
-        <p14:creationId xmlns:p14="http://schemas.microsoft.com/office/powerpoint/2010/main" val="1455491760"/>
       </p:ext>
     </p:extLst>
   </p:cSld>
